--- a/05_CudaProgramElement.pptx
+++ b/05_CudaProgramElement.pptx
@@ -243,7 +243,7 @@
             <a:fld id="{6837EDA8-41C8-4B24-A206-13C08A65A6D7}" type="datetimeFigureOut">
               <a:rPr lang="zh-TW" altLang="en-US" smtClean="0"/>
               <a:pPr/>
-              <a:t>2020/8/25</a:t>
+              <a:t>2020/8/26</a:t>
             </a:fld>
             <a:endParaRPr lang="zh-TW" altLang="en-US"/>
           </a:p>
@@ -696,7 +696,7 @@
             <a:fld id="{8B85509C-BD4F-47BF-9B1E-FC2E949B3621}" type="datetime1">
               <a:rPr lang="zh-TW" altLang="en-US" smtClean="0"/>
               <a:pPr/>
-              <a:t>2020/8/25</a:t>
+              <a:t>2020/8/26</a:t>
             </a:fld>
             <a:endParaRPr lang="zh-TW" altLang="en-US"/>
           </a:p>
@@ -869,7 +869,7 @@
             <a:fld id="{42251B24-F787-4C15-8A0F-7AEC20C70069}" type="datetime1">
               <a:rPr lang="zh-TW" altLang="en-US" smtClean="0"/>
               <a:pPr/>
-              <a:t>2020/8/25</a:t>
+              <a:t>2020/8/26</a:t>
             </a:fld>
             <a:endParaRPr lang="zh-TW" altLang="en-US"/>
           </a:p>
@@ -1044,7 +1044,7 @@
             <a:fld id="{9CA0D33C-CE2B-45F1-B8D4-FFD1F131F331}" type="datetime1">
               <a:rPr lang="zh-TW" altLang="en-US" smtClean="0"/>
               <a:pPr/>
-              <a:t>2020/8/25</a:t>
+              <a:t>2020/8/26</a:t>
             </a:fld>
             <a:endParaRPr lang="zh-TW" altLang="en-US"/>
           </a:p>
@@ -1209,7 +1209,7 @@
             <a:fld id="{50B99440-D9EF-40CC-9B52-F6428D9B2C76}" type="datetime1">
               <a:rPr lang="zh-TW" altLang="en-US" smtClean="0"/>
               <a:pPr/>
-              <a:t>2020/8/25</a:t>
+              <a:t>2020/8/26</a:t>
             </a:fld>
             <a:endParaRPr lang="zh-TW" altLang="en-US"/>
           </a:p>
@@ -1451,7 +1451,7 @@
             <a:fld id="{0871BF52-5C6C-4959-8E27-CECB68D39FE4}" type="datetime1">
               <a:rPr lang="zh-TW" altLang="en-US" smtClean="0"/>
               <a:pPr/>
-              <a:t>2020/8/25</a:t>
+              <a:t>2020/8/26</a:t>
             </a:fld>
             <a:endParaRPr lang="zh-TW" altLang="en-US"/>
           </a:p>
@@ -1733,7 +1733,7 @@
             <a:fld id="{DF863F05-2DD9-4EB1-A827-12FD992DE9DC}" type="datetime1">
               <a:rPr lang="zh-TW" altLang="en-US" smtClean="0"/>
               <a:pPr/>
-              <a:t>2020/8/25</a:t>
+              <a:t>2020/8/26</a:t>
             </a:fld>
             <a:endParaRPr lang="zh-TW" altLang="en-US"/>
           </a:p>
@@ -2149,7 +2149,7 @@
             <a:fld id="{6339AF51-4491-4873-A096-75DB6CE47516}" type="datetime1">
               <a:rPr lang="zh-TW" altLang="en-US" smtClean="0"/>
               <a:pPr/>
-              <a:t>2020/8/25</a:t>
+              <a:t>2020/8/26</a:t>
             </a:fld>
             <a:endParaRPr lang="zh-TW" altLang="en-US"/>
           </a:p>
@@ -2263,7 +2263,7 @@
             <a:fld id="{EE4AD9C8-8B9E-40FF-ABE2-858AC2057BBB}" type="datetime1">
               <a:rPr lang="zh-TW" altLang="en-US" smtClean="0"/>
               <a:pPr/>
-              <a:t>2020/8/25</a:t>
+              <a:t>2020/8/26</a:t>
             </a:fld>
             <a:endParaRPr lang="zh-TW" altLang="en-US"/>
           </a:p>
@@ -2355,7 +2355,7 @@
             <a:fld id="{B4784999-BBBE-4BE4-A8D0-877E7D1D66CC}" type="datetime1">
               <a:rPr lang="zh-TW" altLang="en-US" smtClean="0"/>
               <a:pPr/>
-              <a:t>2020/8/25</a:t>
+              <a:t>2020/8/26</a:t>
             </a:fld>
             <a:endParaRPr lang="zh-TW" altLang="en-US"/>
           </a:p>
@@ -2627,7 +2627,7 @@
             <a:fld id="{E88D17E6-02BD-4944-B9FE-7BFCCBF83D48}" type="datetime1">
               <a:rPr lang="zh-TW" altLang="en-US" smtClean="0"/>
               <a:pPr/>
-              <a:t>2020/8/25</a:t>
+              <a:t>2020/8/26</a:t>
             </a:fld>
             <a:endParaRPr lang="zh-TW" altLang="en-US"/>
           </a:p>
@@ -2876,7 +2876,7 @@
             <a:fld id="{3C13E23D-1FEF-4D78-A3A3-3D6F2BB31954}" type="datetime1">
               <a:rPr lang="zh-TW" altLang="en-US" smtClean="0"/>
               <a:pPr/>
-              <a:t>2020/8/25</a:t>
+              <a:t>2020/8/26</a:t>
             </a:fld>
             <a:endParaRPr lang="zh-TW" altLang="en-US"/>
           </a:p>
@@ -3084,7 +3084,7 @@
             <a:fld id="{06197F35-AD6F-4594-8B50-334492D2E7E8}" type="datetime1">
               <a:rPr lang="zh-TW" altLang="en-US" smtClean="0"/>
               <a:pPr/>
-              <a:t>2020/8/25</a:t>
+              <a:t>2020/8/26</a:t>
             </a:fld>
             <a:endParaRPr lang="zh-TW" altLang="en-US"/>
           </a:p>
@@ -3545,7 +3545,7 @@
             <a:fld id="{C389EDC9-19E3-47AC-9C57-C6A24DEA81AD}" type="datetime1">
               <a:rPr lang="zh-TW" altLang="en-US" smtClean="0"/>
               <a:pPr/>
-              <a:t>2020/8/25</a:t>
+              <a:t>2020/8/26</a:t>
             </a:fld>
             <a:endParaRPr lang="zh-TW" altLang="en-US"/>
           </a:p>
@@ -3882,7 +3882,7 @@
             <a:fld id="{A4F910E6-8D00-4BAF-8C48-9688E0B449D3}" type="datetime1">
               <a:rPr lang="zh-TW" altLang="en-US" smtClean="0"/>
               <a:pPr/>
-              <a:t>2020/8/25</a:t>
+              <a:t>2020/8/26</a:t>
             </a:fld>
             <a:endParaRPr lang="zh-TW" altLang="en-US"/>
           </a:p>
@@ -4235,7 +4235,7 @@
             <a:fld id="{A4F910E6-8D00-4BAF-8C48-9688E0B449D3}" type="datetime1">
               <a:rPr lang="zh-TW" altLang="en-US" smtClean="0"/>
               <a:pPr/>
-              <a:t>2020/8/25</a:t>
+              <a:t>2020/8/26</a:t>
             </a:fld>
             <a:endParaRPr lang="zh-TW" altLang="en-US"/>
           </a:p>
@@ -4714,7 +4714,7 @@
             <a:fld id="{A4F910E6-8D00-4BAF-8C48-9688E0B449D3}" type="datetime1">
               <a:rPr lang="zh-TW" altLang="en-US" smtClean="0"/>
               <a:pPr/>
-              <a:t>2020/8/25</a:t>
+              <a:t>2020/8/26</a:t>
             </a:fld>
             <a:endParaRPr lang="zh-TW" altLang="en-US"/>
           </a:p>
@@ -5023,7 +5023,7 @@
             <a:fld id="{A4F910E6-8D00-4BAF-8C48-9688E0B449D3}" type="datetime1">
               <a:rPr lang="zh-TW" altLang="en-US" smtClean="0"/>
               <a:pPr/>
-              <a:t>2020/8/25</a:t>
+              <a:t>2020/8/26</a:t>
             </a:fld>
             <a:endParaRPr lang="zh-TW" altLang="en-US"/>
           </a:p>
@@ -5332,7 +5332,7 @@
             <a:fld id="{A4F910E6-8D00-4BAF-8C48-9688E0B449D3}" type="datetime1">
               <a:rPr lang="zh-TW" altLang="en-US" smtClean="0"/>
               <a:pPr/>
-              <a:t>2020/8/25</a:t>
+              <a:t>2020/8/26</a:t>
             </a:fld>
             <a:endParaRPr lang="zh-TW" altLang="en-US"/>
           </a:p>
@@ -5711,7 +5711,7 @@
             <a:fld id="{A4F910E6-8D00-4BAF-8C48-9688E0B449D3}" type="datetime1">
               <a:rPr lang="zh-TW" altLang="en-US" smtClean="0"/>
               <a:pPr/>
-              <a:t>2020/8/25</a:t>
+              <a:t>2020/8/26</a:t>
             </a:fld>
             <a:endParaRPr lang="zh-TW" altLang="en-US"/>
           </a:p>
@@ -6039,7 +6039,7 @@
             <a:fld id="{A4F910E6-8D00-4BAF-8C48-9688E0B449D3}" type="datetime1">
               <a:rPr lang="zh-TW" altLang="en-US" smtClean="0"/>
               <a:pPr/>
-              <a:t>2020/8/25</a:t>
+              <a:t>2020/8/26</a:t>
             </a:fld>
             <a:endParaRPr lang="zh-TW" altLang="en-US"/>
           </a:p>
@@ -6233,7 +6233,7 @@
             <a:fld id="{C389EDC9-19E3-47AC-9C57-C6A24DEA81AD}" type="datetime1">
               <a:rPr lang="zh-TW" altLang="en-US" smtClean="0"/>
               <a:pPr/>
-              <a:t>2020/8/25</a:t>
+              <a:t>2020/8/26</a:t>
             </a:fld>
             <a:endParaRPr lang="zh-TW" altLang="en-US"/>
           </a:p>
@@ -6415,8 +6415,8 @@
         </p:nvSpPr>
         <p:spPr>
           <a:xfrm>
-            <a:off x="520543" y="1391463"/>
-            <a:ext cx="8102913" cy="2109545"/>
+            <a:off x="520543" y="1391464"/>
+            <a:ext cx="8102913" cy="1638922"/>
           </a:xfrm>
           <a:ln>
             <a:solidFill>
@@ -6490,29 +6490,23 @@
               </a:rPr>
               <a:t>Grid is a collection of all threads launch for a kernel. </a:t>
             </a:r>
+          </a:p>
+          <a:p>
+            <a:pPr marL="342900" indent="-342900" algn="l">
+              <a:buClr>
+                <a:srgbClr val="0070C0"/>
+              </a:buClr>
+              <a:buSzPct val="80000"/>
+              <a:buFont typeface="Wingdings" pitchFamily="2" charset="2"/>
+              <a:buChar char="u"/>
+            </a:pPr>
             <a:r>
               <a:rPr lang="en-US" altLang="en-US" sz="1800" b="1" dirty="0">
                 <a:solidFill>
                   <a:schemeClr val="tx1"/>
                 </a:solidFill>
               </a:rPr>
-              <a:t>For example, in the “Hello Cuda World”, kernel launch, if we specify &lt;1, 20, then we have 20 threads. Block</a:t>
-            </a:r>
-            <a:r>
-              <a:rPr lang="en-US" altLang="en-US" sz="1800" b="1" dirty="0">
-                <a:solidFill>
-                  <a:srgbClr val="C00000"/>
-                </a:solidFill>
-              </a:rPr>
-              <a:t>: Thread in a grid is organized into groups called thread blocks</a:t>
-            </a:r>
-            <a:r>
-              <a:rPr lang="en-US" altLang="en-US" sz="1800" b="1" dirty="0">
-                <a:solidFill>
-                  <a:schemeClr val="tx1"/>
-                </a:solidFill>
-              </a:rPr>
-              <a:t>. These thread blocks allow Cuda toolkit to synchronized and manage workload without heavy performance penalties.</a:t>
+              <a:t>For example, in the “Hello Cuda World”, kernel launch, if we specify &lt;&lt;&lt;1, 20&gt;&gt;&gt;, then we have 1 grid and 20 block to execute 20 (1 x 20) threads. </a:t>
             </a:r>
           </a:p>
         </p:txBody>
@@ -6600,7 +6594,7 @@
             <a:fld id="{A4F910E6-8D00-4BAF-8C48-9688E0B449D3}" type="datetime1">
               <a:rPr lang="zh-TW" altLang="en-US" smtClean="0"/>
               <a:pPr/>
-              <a:t>2020/8/25</a:t>
+              <a:t>2020/8/26</a:t>
             </a:fld>
             <a:endParaRPr lang="zh-TW" altLang="en-US"/>
           </a:p>
@@ -6657,7 +6651,7 @@
         </p:blipFill>
         <p:spPr>
           <a:xfrm>
-            <a:off x="2483768" y="3709709"/>
+            <a:off x="4998379" y="3275424"/>
             <a:ext cx="3646511" cy="2938152"/>
           </a:xfrm>
           <a:prstGeom prst="rect">
@@ -6670,6 +6664,247 @@
           </a:ln>
         </p:spPr>
       </p:pic>
+      <p:sp>
+        <p:nvSpPr>
+          <p:cNvPr id="9" name="副標題 2">
+            <a:extLst>
+              <a:ext uri="{FF2B5EF4-FFF2-40B4-BE49-F238E27FC236}">
+                <a16:creationId xmlns:a16="http://schemas.microsoft.com/office/drawing/2014/main" id="{1DDAA012-7B4F-408E-BDAD-E34E458FA0AD}"/>
+              </a:ext>
+            </a:extLst>
+          </p:cNvPr>
+          <p:cNvSpPr txBox="1">
+            <a:spLocks/>
+          </p:cNvSpPr>
+          <p:nvPr/>
+        </p:nvSpPr>
+        <p:spPr>
+          <a:xfrm>
+            <a:off x="547987" y="3258531"/>
+            <a:ext cx="4312045" cy="1538622"/>
+          </a:xfrm>
+          <a:prstGeom prst="rect">
+            <a:avLst/>
+          </a:prstGeom>
+          <a:ln>
+            <a:solidFill>
+              <a:srgbClr val="C00000"/>
+            </a:solidFill>
+          </a:ln>
+        </p:spPr>
+        <p:txBody>
+          <a:bodyPr vert="horz" lIns="91440" tIns="45720" rIns="91440" bIns="45720" rtlCol="0">
+            <a:noAutofit/>
+          </a:bodyPr>
+          <a:lstStyle>
+            <a:lvl1pPr marL="0" indent="0" algn="ctr" defTabSz="914400" rtl="0" eaLnBrk="1" latinLnBrk="0" hangingPunct="1">
+              <a:spcBef>
+                <a:spcPct val="20000"/>
+              </a:spcBef>
+              <a:buFont typeface="Arial" pitchFamily="34" charset="0"/>
+              <a:buNone/>
+              <a:defRPr sz="3200" kern="1200">
+                <a:solidFill>
+                  <a:schemeClr val="tx1">
+                    <a:tint val="75000"/>
+                  </a:schemeClr>
+                </a:solidFill>
+                <a:latin typeface="+mn-lt"/>
+                <a:ea typeface="+mn-ea"/>
+                <a:cs typeface="+mn-cs"/>
+              </a:defRPr>
+            </a:lvl1pPr>
+            <a:lvl2pPr marL="457200" indent="0" algn="ctr" defTabSz="914400" rtl="0" eaLnBrk="1" latinLnBrk="0" hangingPunct="1">
+              <a:spcBef>
+                <a:spcPct val="20000"/>
+              </a:spcBef>
+              <a:buFont typeface="Arial" pitchFamily="34" charset="0"/>
+              <a:buNone/>
+              <a:defRPr sz="2800" kern="1200">
+                <a:solidFill>
+                  <a:schemeClr val="tx1">
+                    <a:tint val="75000"/>
+                  </a:schemeClr>
+                </a:solidFill>
+                <a:latin typeface="+mn-lt"/>
+                <a:ea typeface="+mn-ea"/>
+                <a:cs typeface="+mn-cs"/>
+              </a:defRPr>
+            </a:lvl2pPr>
+            <a:lvl3pPr marL="914400" indent="0" algn="ctr" defTabSz="914400" rtl="0" eaLnBrk="1" latinLnBrk="0" hangingPunct="1">
+              <a:spcBef>
+                <a:spcPct val="20000"/>
+              </a:spcBef>
+              <a:buFont typeface="Arial" pitchFamily="34" charset="0"/>
+              <a:buNone/>
+              <a:defRPr sz="2400" kern="1200">
+                <a:solidFill>
+                  <a:schemeClr val="tx1">
+                    <a:tint val="75000"/>
+                  </a:schemeClr>
+                </a:solidFill>
+                <a:latin typeface="+mn-lt"/>
+                <a:ea typeface="+mn-ea"/>
+                <a:cs typeface="+mn-cs"/>
+              </a:defRPr>
+            </a:lvl3pPr>
+            <a:lvl4pPr marL="1371600" indent="0" algn="ctr" defTabSz="914400" rtl="0" eaLnBrk="1" latinLnBrk="0" hangingPunct="1">
+              <a:spcBef>
+                <a:spcPct val="20000"/>
+              </a:spcBef>
+              <a:buFont typeface="Arial" pitchFamily="34" charset="0"/>
+              <a:buNone/>
+              <a:defRPr sz="2000" kern="1200">
+                <a:solidFill>
+                  <a:schemeClr val="tx1">
+                    <a:tint val="75000"/>
+                  </a:schemeClr>
+                </a:solidFill>
+                <a:latin typeface="+mn-lt"/>
+                <a:ea typeface="+mn-ea"/>
+                <a:cs typeface="+mn-cs"/>
+              </a:defRPr>
+            </a:lvl4pPr>
+            <a:lvl5pPr marL="1828800" indent="0" algn="ctr" defTabSz="914400" rtl="0" eaLnBrk="1" latinLnBrk="0" hangingPunct="1">
+              <a:spcBef>
+                <a:spcPct val="20000"/>
+              </a:spcBef>
+              <a:buFont typeface="Arial" pitchFamily="34" charset="0"/>
+              <a:buNone/>
+              <a:defRPr sz="2000" kern="1200">
+                <a:solidFill>
+                  <a:schemeClr val="tx1">
+                    <a:tint val="75000"/>
+                  </a:schemeClr>
+                </a:solidFill>
+                <a:latin typeface="+mn-lt"/>
+                <a:ea typeface="+mn-ea"/>
+                <a:cs typeface="+mn-cs"/>
+              </a:defRPr>
+            </a:lvl5pPr>
+            <a:lvl6pPr marL="2286000" indent="0" algn="ctr" defTabSz="914400" rtl="0" eaLnBrk="1" latinLnBrk="0" hangingPunct="1">
+              <a:spcBef>
+                <a:spcPct val="20000"/>
+              </a:spcBef>
+              <a:buFont typeface="Arial" pitchFamily="34" charset="0"/>
+              <a:buNone/>
+              <a:defRPr sz="2000" kern="1200">
+                <a:solidFill>
+                  <a:schemeClr val="tx1">
+                    <a:tint val="75000"/>
+                  </a:schemeClr>
+                </a:solidFill>
+                <a:latin typeface="+mn-lt"/>
+                <a:ea typeface="+mn-ea"/>
+                <a:cs typeface="+mn-cs"/>
+              </a:defRPr>
+            </a:lvl6pPr>
+            <a:lvl7pPr marL="2743200" indent="0" algn="ctr" defTabSz="914400" rtl="0" eaLnBrk="1" latinLnBrk="0" hangingPunct="1">
+              <a:spcBef>
+                <a:spcPct val="20000"/>
+              </a:spcBef>
+              <a:buFont typeface="Arial" pitchFamily="34" charset="0"/>
+              <a:buNone/>
+              <a:defRPr sz="2000" kern="1200">
+                <a:solidFill>
+                  <a:schemeClr val="tx1">
+                    <a:tint val="75000"/>
+                  </a:schemeClr>
+                </a:solidFill>
+                <a:latin typeface="+mn-lt"/>
+                <a:ea typeface="+mn-ea"/>
+                <a:cs typeface="+mn-cs"/>
+              </a:defRPr>
+            </a:lvl7pPr>
+            <a:lvl8pPr marL="3200400" indent="0" algn="ctr" defTabSz="914400" rtl="0" eaLnBrk="1" latinLnBrk="0" hangingPunct="1">
+              <a:spcBef>
+                <a:spcPct val="20000"/>
+              </a:spcBef>
+              <a:buFont typeface="Arial" pitchFamily="34" charset="0"/>
+              <a:buNone/>
+              <a:defRPr sz="2000" kern="1200">
+                <a:solidFill>
+                  <a:schemeClr val="tx1">
+                    <a:tint val="75000"/>
+                  </a:schemeClr>
+                </a:solidFill>
+                <a:latin typeface="+mn-lt"/>
+                <a:ea typeface="+mn-ea"/>
+                <a:cs typeface="+mn-cs"/>
+              </a:defRPr>
+            </a:lvl8pPr>
+            <a:lvl9pPr marL="3657600" indent="0" algn="ctr" defTabSz="914400" rtl="0" eaLnBrk="1" latinLnBrk="0" hangingPunct="1">
+              <a:spcBef>
+                <a:spcPct val="20000"/>
+              </a:spcBef>
+              <a:buFont typeface="Arial" pitchFamily="34" charset="0"/>
+              <a:buNone/>
+              <a:defRPr sz="2000" kern="1200">
+                <a:solidFill>
+                  <a:schemeClr val="tx1">
+                    <a:tint val="75000"/>
+                  </a:schemeClr>
+                </a:solidFill>
+                <a:latin typeface="+mn-lt"/>
+                <a:ea typeface="+mn-ea"/>
+                <a:cs typeface="+mn-cs"/>
+              </a:defRPr>
+            </a:lvl9pPr>
+          </a:lstStyle>
+          <a:p>
+            <a:pPr marL="342900" indent="-342900" algn="l">
+              <a:buClr>
+                <a:srgbClr val="0070C0"/>
+              </a:buClr>
+              <a:buSzPct val="80000"/>
+              <a:buFont typeface="Wingdings" pitchFamily="2" charset="2"/>
+              <a:buChar char="u"/>
+            </a:pPr>
+            <a:r>
+              <a:rPr lang="en-US" altLang="en-US" sz="1800" b="1" dirty="0">
+                <a:solidFill>
+                  <a:schemeClr val="tx1"/>
+                </a:solidFill>
+              </a:rPr>
+              <a:t>Block</a:t>
+            </a:r>
+            <a:r>
+              <a:rPr lang="en-US" altLang="en-US" sz="1800" b="1" dirty="0">
+                <a:solidFill>
+                  <a:srgbClr val="C00000"/>
+                </a:solidFill>
+              </a:rPr>
+              <a:t>: Thread in a grid is organized into groups called thread blocks</a:t>
+            </a:r>
+            <a:r>
+              <a:rPr lang="en-US" altLang="en-US" sz="1800" b="1" dirty="0">
+                <a:solidFill>
+                  <a:schemeClr val="tx1"/>
+                </a:solidFill>
+              </a:rPr>
+              <a:t>. </a:t>
+            </a:r>
+          </a:p>
+          <a:p>
+            <a:pPr marL="342900" indent="-342900" algn="l">
+              <a:buClr>
+                <a:srgbClr val="0070C0"/>
+              </a:buClr>
+              <a:buSzPct val="80000"/>
+              <a:buFont typeface="Wingdings" pitchFamily="2" charset="2"/>
+              <a:buChar char="u"/>
+            </a:pPr>
+            <a:r>
+              <a:rPr lang="en-US" altLang="en-US" sz="1800" b="1" dirty="0">
+                <a:solidFill>
+                  <a:schemeClr val="tx1"/>
+                </a:solidFill>
+              </a:rPr>
+              <a:t>These thread blocks allow Cuda toolkit to synchronized and manage workload without heavy performance penalties.</a:t>
+            </a:r>
+          </a:p>
+        </p:txBody>
+      </p:sp>
     </p:spTree>
     <p:extLst>
       <p:ext uri="{BB962C8B-B14F-4D97-AF65-F5344CB8AC3E}">
@@ -6946,7 +7181,7 @@
             <a:fld id="{A4F910E6-8D00-4BAF-8C48-9688E0B449D3}" type="datetime1">
               <a:rPr lang="zh-TW" altLang="en-US" smtClean="0"/>
               <a:pPr/>
-              <a:t>2020/8/25</a:t>
+              <a:t>2020/8/26</a:t>
             </a:fld>
             <a:endParaRPr lang="zh-TW" altLang="en-US"/>
           </a:p>
@@ -7393,7 +7628,7 @@
             <a:fld id="{A4F910E6-8D00-4BAF-8C48-9688E0B449D3}" type="datetime1">
               <a:rPr lang="zh-TW" altLang="en-US" smtClean="0"/>
               <a:pPr/>
-              <a:t>2020/8/25</a:t>
+              <a:t>2020/8/26</a:t>
             </a:fld>
             <a:endParaRPr lang="zh-TW" altLang="en-US"/>
           </a:p>
@@ -7699,7 +7934,7 @@
             <a:fld id="{A4F910E6-8D00-4BAF-8C48-9688E0B449D3}" type="datetime1">
               <a:rPr lang="zh-TW" altLang="en-US" smtClean="0"/>
               <a:pPr/>
-              <a:t>2020/8/25</a:t>
+              <a:t>2020/8/26</a:t>
             </a:fld>
             <a:endParaRPr lang="zh-TW" altLang="en-US"/>
           </a:p>
@@ -8095,7 +8330,7 @@
             <a:fld id="{A4F910E6-8D00-4BAF-8C48-9688E0B449D3}" type="datetime1">
               <a:rPr lang="zh-TW" altLang="en-US" smtClean="0"/>
               <a:pPr/>
-              <a:t>2020/8/25</a:t>
+              <a:t>2020/8/26</a:t>
             </a:fld>
             <a:endParaRPr lang="zh-TW" altLang="en-US"/>
           </a:p>
@@ -8542,7 +8777,7 @@
             <a:fld id="{A4F910E6-8D00-4BAF-8C48-9688E0B449D3}" type="datetime1">
               <a:rPr lang="zh-TW" altLang="en-US" smtClean="0"/>
               <a:pPr/>
-              <a:t>2020/8/25</a:t>
+              <a:t>2020/8/26</a:t>
             </a:fld>
             <a:endParaRPr lang="zh-TW" altLang="en-US"/>
           </a:p>
@@ -8903,7 +9138,7 @@
             <a:fld id="{A4F910E6-8D00-4BAF-8C48-9688E0B449D3}" type="datetime1">
               <a:rPr lang="zh-TW" altLang="en-US" smtClean="0"/>
               <a:pPr/>
-              <a:t>2020/8/25</a:t>
+              <a:t>2020/8/26</a:t>
             </a:fld>
             <a:endParaRPr lang="zh-TW" altLang="en-US"/>
           </a:p>
@@ -9213,7 +9448,7 @@
             <a:fld id="{A4F910E6-8D00-4BAF-8C48-9688E0B449D3}" type="datetime1">
               <a:rPr lang="zh-TW" altLang="en-US" smtClean="0"/>
               <a:pPr/>
-              <a:t>2020/8/25</a:t>
+              <a:t>2020/8/26</a:t>
             </a:fld>
             <a:endParaRPr lang="zh-TW" altLang="en-US"/>
           </a:p>
@@ -9407,7 +9642,7 @@
             <a:fld id="{C389EDC9-19E3-47AC-9C57-C6A24DEA81AD}" type="datetime1">
               <a:rPr lang="zh-TW" altLang="en-US" smtClean="0"/>
               <a:pPr/>
-              <a:t>2020/8/25</a:t>
+              <a:t>2020/8/26</a:t>
             </a:fld>
             <a:endParaRPr lang="zh-TW" altLang="en-US"/>
           </a:p>
@@ -9747,7 +9982,7 @@
             <a:fld id="{A4F910E6-8D00-4BAF-8C48-9688E0B449D3}" type="datetime1">
               <a:rPr lang="zh-TW" altLang="en-US" smtClean="0"/>
               <a:pPr/>
-              <a:t>2020/8/25</a:t>
+              <a:t>2020/8/26</a:t>
             </a:fld>
             <a:endParaRPr lang="zh-TW" altLang="en-US"/>
           </a:p>
@@ -10080,7 +10315,7 @@
             <a:fld id="{A4F910E6-8D00-4BAF-8C48-9688E0B449D3}" type="datetime1">
               <a:rPr lang="zh-TW" altLang="en-US" smtClean="0"/>
               <a:pPr/>
-              <a:t>2020/8/25</a:t>
+              <a:t>2020/8/26</a:t>
             </a:fld>
             <a:endParaRPr lang="zh-TW" altLang="en-US"/>
           </a:p>
@@ -10298,7 +10533,7 @@
             <a:fld id="{C389EDC9-19E3-47AC-9C57-C6A24DEA81AD}" type="datetime1">
               <a:rPr lang="zh-TW" altLang="en-US" smtClean="0"/>
               <a:pPr/>
-              <a:t>2020/8/25</a:t>
+              <a:t>2020/8/26</a:t>
             </a:fld>
             <a:endParaRPr lang="zh-TW" altLang="en-US"/>
           </a:p>
@@ -10662,7 +10897,7 @@
             <a:fld id="{A4F910E6-8D00-4BAF-8C48-9688E0B449D3}" type="datetime1">
               <a:rPr lang="zh-TW" altLang="en-US" smtClean="0"/>
               <a:pPr/>
-              <a:t>2020/8/25</a:t>
+              <a:t>2020/8/26</a:t>
             </a:fld>
             <a:endParaRPr lang="zh-TW" altLang="en-US"/>
           </a:p>
@@ -10821,7 +11056,7 @@
             <a:fld id="{C389EDC9-19E3-47AC-9C57-C6A24DEA81AD}" type="datetime1">
               <a:rPr lang="zh-TW" altLang="en-US" smtClean="0"/>
               <a:pPr/>
-              <a:t>2020/8/25</a:t>
+              <a:t>2020/8/26</a:t>
             </a:fld>
             <a:endParaRPr lang="zh-TW" altLang="en-US"/>
           </a:p>
@@ -11291,7 +11526,7 @@
             <a:fld id="{A4F910E6-8D00-4BAF-8C48-9688E0B449D3}" type="datetime1">
               <a:rPr lang="zh-TW" altLang="en-US" smtClean="0"/>
               <a:pPr/>
-              <a:t>2020/8/25</a:t>
+              <a:t>2020/8/26</a:t>
             </a:fld>
             <a:endParaRPr lang="zh-TW" altLang="en-US"/>
           </a:p>
@@ -11485,7 +11720,7 @@
             <a:fld id="{C389EDC9-19E3-47AC-9C57-C6A24DEA81AD}" type="datetime1">
               <a:rPr lang="zh-TW" altLang="en-US" smtClean="0"/>
               <a:pPr/>
-              <a:t>2020/8/25</a:t>
+              <a:t>2020/8/26</a:t>
             </a:fld>
             <a:endParaRPr lang="zh-TW" altLang="en-US"/>
           </a:p>
@@ -11825,7 +12060,7 @@
             <a:fld id="{A4F910E6-8D00-4BAF-8C48-9688E0B449D3}" type="datetime1">
               <a:rPr lang="zh-TW" altLang="en-US" smtClean="0"/>
               <a:pPr/>
-              <a:t>2020/8/25</a:t>
+              <a:t>2020/8/26</a:t>
             </a:fld>
             <a:endParaRPr lang="zh-TW" altLang="en-US"/>
           </a:p>
@@ -12023,7 +12258,7 @@
             <a:fld id="{C389EDC9-19E3-47AC-9C57-C6A24DEA81AD}" type="datetime1">
               <a:rPr lang="zh-TW" altLang="en-US" smtClean="0"/>
               <a:pPr/>
-              <a:t>2020/8/25</a:t>
+              <a:t>2020/8/26</a:t>
             </a:fld>
             <a:endParaRPr lang="zh-TW" altLang="en-US"/>
           </a:p>
@@ -12322,7 +12557,7 @@
             <a:fld id="{A4F910E6-8D00-4BAF-8C48-9688E0B449D3}" type="datetime1">
               <a:rPr lang="zh-TW" altLang="en-US" smtClean="0"/>
               <a:pPr/>
-              <a:t>2020/8/25</a:t>
+              <a:t>2020/8/26</a:t>
             </a:fld>
             <a:endParaRPr lang="zh-TW" altLang="en-US"/>
           </a:p>
@@ -12504,7 +12739,7 @@
             <a:fld id="{4E46BE27-E923-4EC2-B046-3272AE2A3E5C}" type="datetime1">
               <a:rPr lang="zh-TW" altLang="en-US" smtClean="0"/>
               <a:pPr/>
-              <a:t>2020/8/25</a:t>
+              <a:t>2020/8/26</a:t>
             </a:fld>
             <a:endParaRPr lang="zh-TW" altLang="en-US"/>
           </a:p>
@@ -12936,7 +13171,7 @@
             <a:fld id="{A4F910E6-8D00-4BAF-8C48-9688E0B449D3}" type="datetime1">
               <a:rPr lang="zh-TW" altLang="en-US" smtClean="0"/>
               <a:pPr/>
-              <a:t>2020/8/25</a:t>
+              <a:t>2020/8/26</a:t>
             </a:fld>
             <a:endParaRPr lang="zh-TW" altLang="en-US"/>
           </a:p>
@@ -13060,7 +13295,7 @@
             <a:fld id="{C389EDC9-19E3-47AC-9C57-C6A24DEA81AD}" type="datetime1">
               <a:rPr lang="zh-TW" altLang="en-US" smtClean="0"/>
               <a:pPr/>
-              <a:t>2020/8/25</a:t>
+              <a:t>2020/8/26</a:t>
             </a:fld>
             <a:endParaRPr lang="zh-TW" altLang="en-US"/>
           </a:p>
@@ -13524,7 +13759,7 @@
             <a:fld id="{A4F910E6-8D00-4BAF-8C48-9688E0B449D3}" type="datetime1">
               <a:rPr lang="zh-TW" altLang="en-US" smtClean="0"/>
               <a:pPr/>
-              <a:t>2020/8/25</a:t>
+              <a:t>2020/8/26</a:t>
             </a:fld>
             <a:endParaRPr lang="zh-TW" altLang="en-US"/>
           </a:p>
@@ -13925,7 +14160,7 @@
             <a:fld id="{A4F910E6-8D00-4BAF-8C48-9688E0B449D3}" type="datetime1">
               <a:rPr lang="zh-TW" altLang="en-US" smtClean="0"/>
               <a:pPr/>
-              <a:t>2020/8/25</a:t>
+              <a:t>2020/8/26</a:t>
             </a:fld>
             <a:endParaRPr lang="zh-TW" altLang="en-US"/>
           </a:p>
@@ -14274,7 +14509,7 @@
             <a:fld id="{A4F910E6-8D00-4BAF-8C48-9688E0B449D3}" type="datetime1">
               <a:rPr lang="zh-TW" altLang="en-US" smtClean="0"/>
               <a:pPr/>
-              <a:t>2020/8/25</a:t>
+              <a:t>2020/8/26</a:t>
             </a:fld>
             <a:endParaRPr lang="zh-TW" altLang="en-US"/>
           </a:p>
@@ -14640,7 +14875,7 @@
             <a:fld id="{A4F910E6-8D00-4BAF-8C48-9688E0B449D3}" type="datetime1">
               <a:rPr lang="zh-TW" altLang="en-US" smtClean="0"/>
               <a:pPr/>
-              <a:t>2020/8/25</a:t>
+              <a:t>2020/8/26</a:t>
             </a:fld>
             <a:endParaRPr lang="zh-TW" altLang="en-US"/>
           </a:p>
